--- a/ppt 16-9/1562.爱的团契.pptx
+++ b/ppt 16-9/1562.爱的团契.pptx
@@ -129,7 +129,7 @@
           <p:cNvPr id="2" name="标题 1">
             <a:extLst>
               <a:ext uri="{FF2B5EF4-FFF2-40B4-BE49-F238E27FC236}">
-                <a16:creationId xmlns:a16="http://schemas.microsoft.com/office/drawing/2014/main" id="{364DC257-2041-4A5D-67C7-8DD51506AADC}"/>
+                <a16:creationId xmlns:a16="http://schemas.microsoft.com/office/drawing/2014/main" id="{181B9F6D-DE7F-158B-6FC2-C51E00A07017}"/>
               </a:ext>
             </a:extLst>
           </p:cNvPr>
@@ -166,7 +166,7 @@
           <p:cNvPr id="3" name="副标题 2">
             <a:extLst>
               <a:ext uri="{FF2B5EF4-FFF2-40B4-BE49-F238E27FC236}">
-                <a16:creationId xmlns:a16="http://schemas.microsoft.com/office/drawing/2014/main" id="{948078EB-B4D7-00CE-470E-BE0B145BEB57}"/>
+                <a16:creationId xmlns:a16="http://schemas.microsoft.com/office/drawing/2014/main" id="{9A0B3965-572A-54EF-0E4F-D1F2835CCDBF}"/>
               </a:ext>
             </a:extLst>
           </p:cNvPr>
@@ -236,7 +236,7 @@
           <p:cNvPr id="4" name="日期占位符 3">
             <a:extLst>
               <a:ext uri="{FF2B5EF4-FFF2-40B4-BE49-F238E27FC236}">
-                <a16:creationId xmlns:a16="http://schemas.microsoft.com/office/drawing/2014/main" id="{A5C635ED-1609-FDC5-E098-A7A531A19D13}"/>
+                <a16:creationId xmlns:a16="http://schemas.microsoft.com/office/drawing/2014/main" id="{803142CC-BC10-5931-7ED5-ACBD81238CE5}"/>
               </a:ext>
             </a:extLst>
           </p:cNvPr>
@@ -252,7 +252,7 @@
           <a:bodyPr/>
           <a:lstStyle/>
           <a:p>
-            <a:fld id="{9EB643F7-6F54-4ECB-BD81-F5D285EB6CD5}" type="datetimeFigureOut">
+            <a:fld id="{5B5A9F79-0796-4738-A47A-3FC338FE4584}" type="datetimeFigureOut">
               <a:rPr lang="zh-CN" altLang="en-US" smtClean="0"/>
               <a:t>2024/3/10</a:t>
             </a:fld>
@@ -265,7 +265,7 @@
           <p:cNvPr id="5" name="页脚占位符 4">
             <a:extLst>
               <a:ext uri="{FF2B5EF4-FFF2-40B4-BE49-F238E27FC236}">
-                <a16:creationId xmlns:a16="http://schemas.microsoft.com/office/drawing/2014/main" id="{394A0285-EC09-3400-FCA6-8B51ED0F1D9F}"/>
+                <a16:creationId xmlns:a16="http://schemas.microsoft.com/office/drawing/2014/main" id="{22DAF37C-B2F0-25E1-29E7-42A37A67EAC8}"/>
               </a:ext>
             </a:extLst>
           </p:cNvPr>
@@ -290,7 +290,7 @@
           <p:cNvPr id="6" name="灯片编号占位符 5">
             <a:extLst>
               <a:ext uri="{FF2B5EF4-FFF2-40B4-BE49-F238E27FC236}">
-                <a16:creationId xmlns:a16="http://schemas.microsoft.com/office/drawing/2014/main" id="{7DFC8FB5-BFC9-E309-445D-4262BC5F861C}"/>
+                <a16:creationId xmlns:a16="http://schemas.microsoft.com/office/drawing/2014/main" id="{AEBEF446-F433-7B6C-1A01-C7436D17DC16}"/>
               </a:ext>
             </a:extLst>
           </p:cNvPr>
@@ -306,7 +306,7 @@
           <a:bodyPr/>
           <a:lstStyle/>
           <a:p>
-            <a:fld id="{5C72253C-7D52-4A3A-B4E9-732EE7B21789}" type="slidenum">
+            <a:fld id="{05F00985-EA98-4DAF-A98E-A279AFA2F3EB}" type="slidenum">
               <a:rPr lang="zh-CN" altLang="en-US" smtClean="0"/>
               <a:t>‹#›</a:t>
             </a:fld>
@@ -317,7 +317,7 @@
     </p:spTree>
     <p:extLst>
       <p:ext uri="{BB962C8B-B14F-4D97-AF65-F5344CB8AC3E}">
-        <p14:creationId xmlns:p14="http://schemas.microsoft.com/office/powerpoint/2010/main" val="2641367569"/>
+        <p14:creationId xmlns:p14="http://schemas.microsoft.com/office/powerpoint/2010/main" val="3180113093"/>
       </p:ext>
     </p:extLst>
   </p:cSld>
@@ -349,7 +349,7 @@
           <p:cNvPr id="2" name="标题 1">
             <a:extLst>
               <a:ext uri="{FF2B5EF4-FFF2-40B4-BE49-F238E27FC236}">
-                <a16:creationId xmlns:a16="http://schemas.microsoft.com/office/drawing/2014/main" id="{381355B2-590B-C5FA-BD95-C013CEC620DC}"/>
+                <a16:creationId xmlns:a16="http://schemas.microsoft.com/office/drawing/2014/main" id="{D2C6C034-03CF-69BC-A986-8CE75925F53E}"/>
               </a:ext>
             </a:extLst>
           </p:cNvPr>
@@ -377,7 +377,7 @@
           <p:cNvPr id="3" name="竖排文字占位符 2">
             <a:extLst>
               <a:ext uri="{FF2B5EF4-FFF2-40B4-BE49-F238E27FC236}">
-                <a16:creationId xmlns:a16="http://schemas.microsoft.com/office/drawing/2014/main" id="{FEEC9E4B-4A7A-84A7-D000-8B5C5CC659E5}"/>
+                <a16:creationId xmlns:a16="http://schemas.microsoft.com/office/drawing/2014/main" id="{B8744492-25AF-05EC-2291-C562105116C6}"/>
               </a:ext>
             </a:extLst>
           </p:cNvPr>
@@ -434,7 +434,7 @@
           <p:cNvPr id="4" name="日期占位符 3">
             <a:extLst>
               <a:ext uri="{FF2B5EF4-FFF2-40B4-BE49-F238E27FC236}">
-                <a16:creationId xmlns:a16="http://schemas.microsoft.com/office/drawing/2014/main" id="{C677638C-9F5E-56F7-0796-F49C77E7CAE4}"/>
+                <a16:creationId xmlns:a16="http://schemas.microsoft.com/office/drawing/2014/main" id="{0213B483-CB46-6B66-6F57-2BD624151728}"/>
               </a:ext>
             </a:extLst>
           </p:cNvPr>
@@ -450,7 +450,7 @@
           <a:bodyPr/>
           <a:lstStyle/>
           <a:p>
-            <a:fld id="{9EB643F7-6F54-4ECB-BD81-F5D285EB6CD5}" type="datetimeFigureOut">
+            <a:fld id="{5B5A9F79-0796-4738-A47A-3FC338FE4584}" type="datetimeFigureOut">
               <a:rPr lang="zh-CN" altLang="en-US" smtClean="0"/>
               <a:t>2024/3/10</a:t>
             </a:fld>
@@ -463,7 +463,7 @@
           <p:cNvPr id="5" name="页脚占位符 4">
             <a:extLst>
               <a:ext uri="{FF2B5EF4-FFF2-40B4-BE49-F238E27FC236}">
-                <a16:creationId xmlns:a16="http://schemas.microsoft.com/office/drawing/2014/main" id="{0338A869-69BC-9AC3-6351-56CA625EA691}"/>
+                <a16:creationId xmlns:a16="http://schemas.microsoft.com/office/drawing/2014/main" id="{55263AFE-367D-7B9E-4709-27AB1872CA22}"/>
               </a:ext>
             </a:extLst>
           </p:cNvPr>
@@ -488,7 +488,7 @@
           <p:cNvPr id="6" name="灯片编号占位符 5">
             <a:extLst>
               <a:ext uri="{FF2B5EF4-FFF2-40B4-BE49-F238E27FC236}">
-                <a16:creationId xmlns:a16="http://schemas.microsoft.com/office/drawing/2014/main" id="{18C444F5-880D-F9C4-CB22-9CDBB6948F40}"/>
+                <a16:creationId xmlns:a16="http://schemas.microsoft.com/office/drawing/2014/main" id="{48443AF4-36CA-B3F9-AC98-160563D40AFA}"/>
               </a:ext>
             </a:extLst>
           </p:cNvPr>
@@ -504,7 +504,7 @@
           <a:bodyPr/>
           <a:lstStyle/>
           <a:p>
-            <a:fld id="{5C72253C-7D52-4A3A-B4E9-732EE7B21789}" type="slidenum">
+            <a:fld id="{05F00985-EA98-4DAF-A98E-A279AFA2F3EB}" type="slidenum">
               <a:rPr lang="zh-CN" altLang="en-US" smtClean="0"/>
               <a:t>‹#›</a:t>
             </a:fld>
@@ -515,7 +515,7 @@
     </p:spTree>
     <p:extLst>
       <p:ext uri="{BB962C8B-B14F-4D97-AF65-F5344CB8AC3E}">
-        <p14:creationId xmlns:p14="http://schemas.microsoft.com/office/powerpoint/2010/main" val="4214787565"/>
+        <p14:creationId xmlns:p14="http://schemas.microsoft.com/office/powerpoint/2010/main" val="2641757097"/>
       </p:ext>
     </p:extLst>
   </p:cSld>
@@ -547,7 +547,7 @@
           <p:cNvPr id="2" name="竖排标题 1">
             <a:extLst>
               <a:ext uri="{FF2B5EF4-FFF2-40B4-BE49-F238E27FC236}">
-                <a16:creationId xmlns:a16="http://schemas.microsoft.com/office/drawing/2014/main" id="{78E121EC-FC65-9E5E-8512-C7B5346CB659}"/>
+                <a16:creationId xmlns:a16="http://schemas.microsoft.com/office/drawing/2014/main" id="{3AB0B881-A97F-440E-6A94-D79D6BF0ED13}"/>
               </a:ext>
             </a:extLst>
           </p:cNvPr>
@@ -580,7 +580,7 @@
           <p:cNvPr id="3" name="竖排文字占位符 2">
             <a:extLst>
               <a:ext uri="{FF2B5EF4-FFF2-40B4-BE49-F238E27FC236}">
-                <a16:creationId xmlns:a16="http://schemas.microsoft.com/office/drawing/2014/main" id="{FEFFA80A-AFB2-DBA3-16FC-95C0DA3EC7A7}"/>
+                <a16:creationId xmlns:a16="http://schemas.microsoft.com/office/drawing/2014/main" id="{970F8F63-6CE7-B7B6-250D-C61FF6E2ECCC}"/>
               </a:ext>
             </a:extLst>
           </p:cNvPr>
@@ -642,7 +642,7 @@
           <p:cNvPr id="4" name="日期占位符 3">
             <a:extLst>
               <a:ext uri="{FF2B5EF4-FFF2-40B4-BE49-F238E27FC236}">
-                <a16:creationId xmlns:a16="http://schemas.microsoft.com/office/drawing/2014/main" id="{8194D787-5B0B-3AEB-9065-6F853ADFD914}"/>
+                <a16:creationId xmlns:a16="http://schemas.microsoft.com/office/drawing/2014/main" id="{F719867B-188D-FBAB-5B07-406D823743E6}"/>
               </a:ext>
             </a:extLst>
           </p:cNvPr>
@@ -658,7 +658,7 @@
           <a:bodyPr/>
           <a:lstStyle/>
           <a:p>
-            <a:fld id="{9EB643F7-6F54-4ECB-BD81-F5D285EB6CD5}" type="datetimeFigureOut">
+            <a:fld id="{5B5A9F79-0796-4738-A47A-3FC338FE4584}" type="datetimeFigureOut">
               <a:rPr lang="zh-CN" altLang="en-US" smtClean="0"/>
               <a:t>2024/3/10</a:t>
             </a:fld>
@@ -671,7 +671,7 @@
           <p:cNvPr id="5" name="页脚占位符 4">
             <a:extLst>
               <a:ext uri="{FF2B5EF4-FFF2-40B4-BE49-F238E27FC236}">
-                <a16:creationId xmlns:a16="http://schemas.microsoft.com/office/drawing/2014/main" id="{C60534A0-9A65-3427-3905-A1563C776245}"/>
+                <a16:creationId xmlns:a16="http://schemas.microsoft.com/office/drawing/2014/main" id="{E99F8BCF-4B53-3CC0-BB6E-A164D4F79376}"/>
               </a:ext>
             </a:extLst>
           </p:cNvPr>
@@ -696,7 +696,7 @@
           <p:cNvPr id="6" name="灯片编号占位符 5">
             <a:extLst>
               <a:ext uri="{FF2B5EF4-FFF2-40B4-BE49-F238E27FC236}">
-                <a16:creationId xmlns:a16="http://schemas.microsoft.com/office/drawing/2014/main" id="{611811E5-8751-AD64-E388-BDC247382BE4}"/>
+                <a16:creationId xmlns:a16="http://schemas.microsoft.com/office/drawing/2014/main" id="{FBEEC958-C931-0CF6-E056-B9281180E2B1}"/>
               </a:ext>
             </a:extLst>
           </p:cNvPr>
@@ -712,7 +712,7 @@
           <a:bodyPr/>
           <a:lstStyle/>
           <a:p>
-            <a:fld id="{5C72253C-7D52-4A3A-B4E9-732EE7B21789}" type="slidenum">
+            <a:fld id="{05F00985-EA98-4DAF-A98E-A279AFA2F3EB}" type="slidenum">
               <a:rPr lang="zh-CN" altLang="en-US" smtClean="0"/>
               <a:t>‹#›</a:t>
             </a:fld>
@@ -723,7 +723,7 @@
     </p:spTree>
     <p:extLst>
       <p:ext uri="{BB962C8B-B14F-4D97-AF65-F5344CB8AC3E}">
-        <p14:creationId xmlns:p14="http://schemas.microsoft.com/office/powerpoint/2010/main" val="2988125142"/>
+        <p14:creationId xmlns:p14="http://schemas.microsoft.com/office/powerpoint/2010/main" val="459844466"/>
       </p:ext>
     </p:extLst>
   </p:cSld>
@@ -755,7 +755,7 @@
           <p:cNvPr id="2" name="标题 1">
             <a:extLst>
               <a:ext uri="{FF2B5EF4-FFF2-40B4-BE49-F238E27FC236}">
-                <a16:creationId xmlns:a16="http://schemas.microsoft.com/office/drawing/2014/main" id="{182A514D-7CB4-84EB-1A45-785CD89CDACA}"/>
+                <a16:creationId xmlns:a16="http://schemas.microsoft.com/office/drawing/2014/main" id="{FE551F59-977C-CF06-C628-280D57D4F061}"/>
               </a:ext>
             </a:extLst>
           </p:cNvPr>
@@ -783,7 +783,7 @@
           <p:cNvPr id="3" name="内容占位符 2">
             <a:extLst>
               <a:ext uri="{FF2B5EF4-FFF2-40B4-BE49-F238E27FC236}">
-                <a16:creationId xmlns:a16="http://schemas.microsoft.com/office/drawing/2014/main" id="{586D8F84-5654-D91E-7BA3-E28A4B91649F}"/>
+                <a16:creationId xmlns:a16="http://schemas.microsoft.com/office/drawing/2014/main" id="{655EFFAE-5EBB-04A8-FD2F-9DAE7E185CFF}"/>
               </a:ext>
             </a:extLst>
           </p:cNvPr>
@@ -840,7 +840,7 @@
           <p:cNvPr id="4" name="日期占位符 3">
             <a:extLst>
               <a:ext uri="{FF2B5EF4-FFF2-40B4-BE49-F238E27FC236}">
-                <a16:creationId xmlns:a16="http://schemas.microsoft.com/office/drawing/2014/main" id="{C1ABB117-FD8E-2CB8-AE3E-E1D81550367B}"/>
+                <a16:creationId xmlns:a16="http://schemas.microsoft.com/office/drawing/2014/main" id="{18D92F50-1FA3-9819-AF75-0E12A4F1E8C0}"/>
               </a:ext>
             </a:extLst>
           </p:cNvPr>
@@ -856,7 +856,7 @@
           <a:bodyPr/>
           <a:lstStyle/>
           <a:p>
-            <a:fld id="{9EB643F7-6F54-4ECB-BD81-F5D285EB6CD5}" type="datetimeFigureOut">
+            <a:fld id="{5B5A9F79-0796-4738-A47A-3FC338FE4584}" type="datetimeFigureOut">
               <a:rPr lang="zh-CN" altLang="en-US" smtClean="0"/>
               <a:t>2024/3/10</a:t>
             </a:fld>
@@ -869,7 +869,7 @@
           <p:cNvPr id="5" name="页脚占位符 4">
             <a:extLst>
               <a:ext uri="{FF2B5EF4-FFF2-40B4-BE49-F238E27FC236}">
-                <a16:creationId xmlns:a16="http://schemas.microsoft.com/office/drawing/2014/main" id="{4AAC72A3-11EE-E8C5-0EFD-BDE6C3555E2C}"/>
+                <a16:creationId xmlns:a16="http://schemas.microsoft.com/office/drawing/2014/main" id="{823AD971-2118-9EE8-DC40-CFBD71B96CE0}"/>
               </a:ext>
             </a:extLst>
           </p:cNvPr>
@@ -894,7 +894,7 @@
           <p:cNvPr id="6" name="灯片编号占位符 5">
             <a:extLst>
               <a:ext uri="{FF2B5EF4-FFF2-40B4-BE49-F238E27FC236}">
-                <a16:creationId xmlns:a16="http://schemas.microsoft.com/office/drawing/2014/main" id="{6CEDD853-EF6F-8CF8-E078-9EEEC9503287}"/>
+                <a16:creationId xmlns:a16="http://schemas.microsoft.com/office/drawing/2014/main" id="{3F98EE7E-DDEA-A4C5-3A41-6DEB26BC15E2}"/>
               </a:ext>
             </a:extLst>
           </p:cNvPr>
@@ -910,7 +910,7 @@
           <a:bodyPr/>
           <a:lstStyle/>
           <a:p>
-            <a:fld id="{5C72253C-7D52-4A3A-B4E9-732EE7B21789}" type="slidenum">
+            <a:fld id="{05F00985-EA98-4DAF-A98E-A279AFA2F3EB}" type="slidenum">
               <a:rPr lang="zh-CN" altLang="en-US" smtClean="0"/>
               <a:t>‹#›</a:t>
             </a:fld>
@@ -921,7 +921,7 @@
     </p:spTree>
     <p:extLst>
       <p:ext uri="{BB962C8B-B14F-4D97-AF65-F5344CB8AC3E}">
-        <p14:creationId xmlns:p14="http://schemas.microsoft.com/office/powerpoint/2010/main" val="468143616"/>
+        <p14:creationId xmlns:p14="http://schemas.microsoft.com/office/powerpoint/2010/main" val="3380535711"/>
       </p:ext>
     </p:extLst>
   </p:cSld>
@@ -953,7 +953,7 @@
           <p:cNvPr id="2" name="标题 1">
             <a:extLst>
               <a:ext uri="{FF2B5EF4-FFF2-40B4-BE49-F238E27FC236}">
-                <a16:creationId xmlns:a16="http://schemas.microsoft.com/office/drawing/2014/main" id="{6B79604D-F807-654C-153A-A8997109ED13}"/>
+                <a16:creationId xmlns:a16="http://schemas.microsoft.com/office/drawing/2014/main" id="{D9E1473A-4A81-979F-8555-896C90C27CAC}"/>
               </a:ext>
             </a:extLst>
           </p:cNvPr>
@@ -990,7 +990,7 @@
           <p:cNvPr id="3" name="文本占位符 2">
             <a:extLst>
               <a:ext uri="{FF2B5EF4-FFF2-40B4-BE49-F238E27FC236}">
-                <a16:creationId xmlns:a16="http://schemas.microsoft.com/office/drawing/2014/main" id="{E882D712-9DF4-6209-9542-743DF433B715}"/>
+                <a16:creationId xmlns:a16="http://schemas.microsoft.com/office/drawing/2014/main" id="{06DCCE0B-863B-343C-58B9-8E0FD0D4C271}"/>
               </a:ext>
             </a:extLst>
           </p:cNvPr>
@@ -1115,7 +1115,7 @@
           <p:cNvPr id="4" name="日期占位符 3">
             <a:extLst>
               <a:ext uri="{FF2B5EF4-FFF2-40B4-BE49-F238E27FC236}">
-                <a16:creationId xmlns:a16="http://schemas.microsoft.com/office/drawing/2014/main" id="{29025A0E-BDE9-51E5-938C-F229A335F084}"/>
+                <a16:creationId xmlns:a16="http://schemas.microsoft.com/office/drawing/2014/main" id="{FEBAB527-2A6F-BB1C-E93C-E96DE928BFB8}"/>
               </a:ext>
             </a:extLst>
           </p:cNvPr>
@@ -1131,7 +1131,7 @@
           <a:bodyPr/>
           <a:lstStyle/>
           <a:p>
-            <a:fld id="{9EB643F7-6F54-4ECB-BD81-F5D285EB6CD5}" type="datetimeFigureOut">
+            <a:fld id="{5B5A9F79-0796-4738-A47A-3FC338FE4584}" type="datetimeFigureOut">
               <a:rPr lang="zh-CN" altLang="en-US" smtClean="0"/>
               <a:t>2024/3/10</a:t>
             </a:fld>
@@ -1144,7 +1144,7 @@
           <p:cNvPr id="5" name="页脚占位符 4">
             <a:extLst>
               <a:ext uri="{FF2B5EF4-FFF2-40B4-BE49-F238E27FC236}">
-                <a16:creationId xmlns:a16="http://schemas.microsoft.com/office/drawing/2014/main" id="{7B1D4C04-5487-42A4-16CA-A02297940799}"/>
+                <a16:creationId xmlns:a16="http://schemas.microsoft.com/office/drawing/2014/main" id="{79805D02-3C77-88B1-655F-CA7919642116}"/>
               </a:ext>
             </a:extLst>
           </p:cNvPr>
@@ -1169,7 +1169,7 @@
           <p:cNvPr id="6" name="灯片编号占位符 5">
             <a:extLst>
               <a:ext uri="{FF2B5EF4-FFF2-40B4-BE49-F238E27FC236}">
-                <a16:creationId xmlns:a16="http://schemas.microsoft.com/office/drawing/2014/main" id="{8EBCE011-0206-84B4-5843-0E793D85CAC1}"/>
+                <a16:creationId xmlns:a16="http://schemas.microsoft.com/office/drawing/2014/main" id="{D627D3F3-A13C-0359-BE7E-C33AFDA8FEDE}"/>
               </a:ext>
             </a:extLst>
           </p:cNvPr>
@@ -1185,7 +1185,7 @@
           <a:bodyPr/>
           <a:lstStyle/>
           <a:p>
-            <a:fld id="{5C72253C-7D52-4A3A-B4E9-732EE7B21789}" type="slidenum">
+            <a:fld id="{05F00985-EA98-4DAF-A98E-A279AFA2F3EB}" type="slidenum">
               <a:rPr lang="zh-CN" altLang="en-US" smtClean="0"/>
               <a:t>‹#›</a:t>
             </a:fld>
@@ -1196,7 +1196,7 @@
     </p:spTree>
     <p:extLst>
       <p:ext uri="{BB962C8B-B14F-4D97-AF65-F5344CB8AC3E}">
-        <p14:creationId xmlns:p14="http://schemas.microsoft.com/office/powerpoint/2010/main" val="2759922777"/>
+        <p14:creationId xmlns:p14="http://schemas.microsoft.com/office/powerpoint/2010/main" val="1313246013"/>
       </p:ext>
     </p:extLst>
   </p:cSld>
@@ -1228,7 +1228,7 @@
           <p:cNvPr id="2" name="标题 1">
             <a:extLst>
               <a:ext uri="{FF2B5EF4-FFF2-40B4-BE49-F238E27FC236}">
-                <a16:creationId xmlns:a16="http://schemas.microsoft.com/office/drawing/2014/main" id="{123B4AA7-43DD-BA6C-4C39-B6743C439A81}"/>
+                <a16:creationId xmlns:a16="http://schemas.microsoft.com/office/drawing/2014/main" id="{AA0C50FB-DFD5-6881-64BF-B70762688B74}"/>
               </a:ext>
             </a:extLst>
           </p:cNvPr>
@@ -1256,7 +1256,7 @@
           <p:cNvPr id="3" name="内容占位符 2">
             <a:extLst>
               <a:ext uri="{FF2B5EF4-FFF2-40B4-BE49-F238E27FC236}">
-                <a16:creationId xmlns:a16="http://schemas.microsoft.com/office/drawing/2014/main" id="{DFF0A5B8-5072-E154-74E8-CA4256264195}"/>
+                <a16:creationId xmlns:a16="http://schemas.microsoft.com/office/drawing/2014/main" id="{509BD1C9-5C4B-5749-0F8B-D43753607998}"/>
               </a:ext>
             </a:extLst>
           </p:cNvPr>
@@ -1318,7 +1318,7 @@
           <p:cNvPr id="4" name="内容占位符 3">
             <a:extLst>
               <a:ext uri="{FF2B5EF4-FFF2-40B4-BE49-F238E27FC236}">
-                <a16:creationId xmlns:a16="http://schemas.microsoft.com/office/drawing/2014/main" id="{D9A02F91-DBC8-D1E0-43DB-C0B667EFB9D7}"/>
+                <a16:creationId xmlns:a16="http://schemas.microsoft.com/office/drawing/2014/main" id="{20C95BE9-01C3-B8D2-E40B-B6353754AB93}"/>
               </a:ext>
             </a:extLst>
           </p:cNvPr>
@@ -1380,7 +1380,7 @@
           <p:cNvPr id="5" name="日期占位符 4">
             <a:extLst>
               <a:ext uri="{FF2B5EF4-FFF2-40B4-BE49-F238E27FC236}">
-                <a16:creationId xmlns:a16="http://schemas.microsoft.com/office/drawing/2014/main" id="{40A16D4A-F28C-783A-7DDD-044AD008177B}"/>
+                <a16:creationId xmlns:a16="http://schemas.microsoft.com/office/drawing/2014/main" id="{F8F381A1-8601-A7FF-484C-B05DEDB83D13}"/>
               </a:ext>
             </a:extLst>
           </p:cNvPr>
@@ -1396,7 +1396,7 @@
           <a:bodyPr/>
           <a:lstStyle/>
           <a:p>
-            <a:fld id="{9EB643F7-6F54-4ECB-BD81-F5D285EB6CD5}" type="datetimeFigureOut">
+            <a:fld id="{5B5A9F79-0796-4738-A47A-3FC338FE4584}" type="datetimeFigureOut">
               <a:rPr lang="zh-CN" altLang="en-US" smtClean="0"/>
               <a:t>2024/3/10</a:t>
             </a:fld>
@@ -1409,7 +1409,7 @@
           <p:cNvPr id="6" name="页脚占位符 5">
             <a:extLst>
               <a:ext uri="{FF2B5EF4-FFF2-40B4-BE49-F238E27FC236}">
-                <a16:creationId xmlns:a16="http://schemas.microsoft.com/office/drawing/2014/main" id="{907DA62C-6ABF-EA7B-E6C7-B003350ACADF}"/>
+                <a16:creationId xmlns:a16="http://schemas.microsoft.com/office/drawing/2014/main" id="{F5F2FCE1-9B6C-DE28-CD71-919CC022D91C}"/>
               </a:ext>
             </a:extLst>
           </p:cNvPr>
@@ -1434,7 +1434,7 @@
           <p:cNvPr id="7" name="灯片编号占位符 6">
             <a:extLst>
               <a:ext uri="{FF2B5EF4-FFF2-40B4-BE49-F238E27FC236}">
-                <a16:creationId xmlns:a16="http://schemas.microsoft.com/office/drawing/2014/main" id="{14A18F98-B802-F61C-0B33-E31918C95D2B}"/>
+                <a16:creationId xmlns:a16="http://schemas.microsoft.com/office/drawing/2014/main" id="{9A3C9C99-3D70-9DD4-FA12-312E3D78CDA6}"/>
               </a:ext>
             </a:extLst>
           </p:cNvPr>
@@ -1450,7 +1450,7 @@
           <a:bodyPr/>
           <a:lstStyle/>
           <a:p>
-            <a:fld id="{5C72253C-7D52-4A3A-B4E9-732EE7B21789}" type="slidenum">
+            <a:fld id="{05F00985-EA98-4DAF-A98E-A279AFA2F3EB}" type="slidenum">
               <a:rPr lang="zh-CN" altLang="en-US" smtClean="0"/>
               <a:t>‹#›</a:t>
             </a:fld>
@@ -1461,7 +1461,7 @@
     </p:spTree>
     <p:extLst>
       <p:ext uri="{BB962C8B-B14F-4D97-AF65-F5344CB8AC3E}">
-        <p14:creationId xmlns:p14="http://schemas.microsoft.com/office/powerpoint/2010/main" val="1136709443"/>
+        <p14:creationId xmlns:p14="http://schemas.microsoft.com/office/powerpoint/2010/main" val="2026906630"/>
       </p:ext>
     </p:extLst>
   </p:cSld>
@@ -1493,7 +1493,7 @@
           <p:cNvPr id="2" name="标题 1">
             <a:extLst>
               <a:ext uri="{FF2B5EF4-FFF2-40B4-BE49-F238E27FC236}">
-                <a16:creationId xmlns:a16="http://schemas.microsoft.com/office/drawing/2014/main" id="{DCF84694-7802-DAA0-B332-61E429E9C92B}"/>
+                <a16:creationId xmlns:a16="http://schemas.microsoft.com/office/drawing/2014/main" id="{7F2AA8B7-1D56-E7AB-5B06-32077AA2FA0C}"/>
               </a:ext>
             </a:extLst>
           </p:cNvPr>
@@ -1526,7 +1526,7 @@
           <p:cNvPr id="3" name="文本占位符 2">
             <a:extLst>
               <a:ext uri="{FF2B5EF4-FFF2-40B4-BE49-F238E27FC236}">
-                <a16:creationId xmlns:a16="http://schemas.microsoft.com/office/drawing/2014/main" id="{9280CC17-8402-D384-DBBE-B177C3FF2378}"/>
+                <a16:creationId xmlns:a16="http://schemas.microsoft.com/office/drawing/2014/main" id="{EA88ABC6-3EA6-DD01-331F-6B945ACF765D}"/>
               </a:ext>
             </a:extLst>
           </p:cNvPr>
@@ -1597,7 +1597,7 @@
           <p:cNvPr id="4" name="内容占位符 3">
             <a:extLst>
               <a:ext uri="{FF2B5EF4-FFF2-40B4-BE49-F238E27FC236}">
-                <a16:creationId xmlns:a16="http://schemas.microsoft.com/office/drawing/2014/main" id="{0D35F077-A03A-B609-C226-B0DF58714FB5}"/>
+                <a16:creationId xmlns:a16="http://schemas.microsoft.com/office/drawing/2014/main" id="{A584BA2F-C77E-08BC-2B43-D0D43405C062}"/>
               </a:ext>
             </a:extLst>
           </p:cNvPr>
@@ -1659,7 +1659,7 @@
           <p:cNvPr id="5" name="文本占位符 4">
             <a:extLst>
               <a:ext uri="{FF2B5EF4-FFF2-40B4-BE49-F238E27FC236}">
-                <a16:creationId xmlns:a16="http://schemas.microsoft.com/office/drawing/2014/main" id="{A58F1AD0-0076-0905-564F-99A5BE4A1748}"/>
+                <a16:creationId xmlns:a16="http://schemas.microsoft.com/office/drawing/2014/main" id="{70060A18-1583-455D-0756-F0CB86036B16}"/>
               </a:ext>
             </a:extLst>
           </p:cNvPr>
@@ -1730,7 +1730,7 @@
           <p:cNvPr id="6" name="内容占位符 5">
             <a:extLst>
               <a:ext uri="{FF2B5EF4-FFF2-40B4-BE49-F238E27FC236}">
-                <a16:creationId xmlns:a16="http://schemas.microsoft.com/office/drawing/2014/main" id="{1EE3F805-E329-E6B8-D893-ECBED61A46A4}"/>
+                <a16:creationId xmlns:a16="http://schemas.microsoft.com/office/drawing/2014/main" id="{3C17858D-644C-1D3F-2885-B366C7A08BDF}"/>
               </a:ext>
             </a:extLst>
           </p:cNvPr>
@@ -1792,7 +1792,7 @@
           <p:cNvPr id="7" name="日期占位符 6">
             <a:extLst>
               <a:ext uri="{FF2B5EF4-FFF2-40B4-BE49-F238E27FC236}">
-                <a16:creationId xmlns:a16="http://schemas.microsoft.com/office/drawing/2014/main" id="{0967ABF9-9846-0400-D686-BAC7F40DBAFF}"/>
+                <a16:creationId xmlns:a16="http://schemas.microsoft.com/office/drawing/2014/main" id="{BE413104-D06E-BBD6-ACEF-71615D99A0BB}"/>
               </a:ext>
             </a:extLst>
           </p:cNvPr>
@@ -1808,7 +1808,7 @@
           <a:bodyPr/>
           <a:lstStyle/>
           <a:p>
-            <a:fld id="{9EB643F7-6F54-4ECB-BD81-F5D285EB6CD5}" type="datetimeFigureOut">
+            <a:fld id="{5B5A9F79-0796-4738-A47A-3FC338FE4584}" type="datetimeFigureOut">
               <a:rPr lang="zh-CN" altLang="en-US" smtClean="0"/>
               <a:t>2024/3/10</a:t>
             </a:fld>
@@ -1821,7 +1821,7 @@
           <p:cNvPr id="8" name="页脚占位符 7">
             <a:extLst>
               <a:ext uri="{FF2B5EF4-FFF2-40B4-BE49-F238E27FC236}">
-                <a16:creationId xmlns:a16="http://schemas.microsoft.com/office/drawing/2014/main" id="{4BBE7EAA-4038-D1FD-0F44-D3740F146F36}"/>
+                <a16:creationId xmlns:a16="http://schemas.microsoft.com/office/drawing/2014/main" id="{7D563B60-7396-1673-C123-1BB0AFEDBC58}"/>
               </a:ext>
             </a:extLst>
           </p:cNvPr>
@@ -1846,7 +1846,7 @@
           <p:cNvPr id="9" name="灯片编号占位符 8">
             <a:extLst>
               <a:ext uri="{FF2B5EF4-FFF2-40B4-BE49-F238E27FC236}">
-                <a16:creationId xmlns:a16="http://schemas.microsoft.com/office/drawing/2014/main" id="{3F59D842-6C1A-0C81-7EB7-C6D1A156A92D}"/>
+                <a16:creationId xmlns:a16="http://schemas.microsoft.com/office/drawing/2014/main" id="{32763DB1-042A-DE66-D69F-EDF95310F831}"/>
               </a:ext>
             </a:extLst>
           </p:cNvPr>
@@ -1862,7 +1862,7 @@
           <a:bodyPr/>
           <a:lstStyle/>
           <a:p>
-            <a:fld id="{5C72253C-7D52-4A3A-B4E9-732EE7B21789}" type="slidenum">
+            <a:fld id="{05F00985-EA98-4DAF-A98E-A279AFA2F3EB}" type="slidenum">
               <a:rPr lang="zh-CN" altLang="en-US" smtClean="0"/>
               <a:t>‹#›</a:t>
             </a:fld>
@@ -1873,7 +1873,7 @@
     </p:spTree>
     <p:extLst>
       <p:ext uri="{BB962C8B-B14F-4D97-AF65-F5344CB8AC3E}">
-        <p14:creationId xmlns:p14="http://schemas.microsoft.com/office/powerpoint/2010/main" val="234498157"/>
+        <p14:creationId xmlns:p14="http://schemas.microsoft.com/office/powerpoint/2010/main" val="3108844883"/>
       </p:ext>
     </p:extLst>
   </p:cSld>
@@ -1905,7 +1905,7 @@
           <p:cNvPr id="2" name="标题 1">
             <a:extLst>
               <a:ext uri="{FF2B5EF4-FFF2-40B4-BE49-F238E27FC236}">
-                <a16:creationId xmlns:a16="http://schemas.microsoft.com/office/drawing/2014/main" id="{DD404E91-D28B-F6F8-0245-1340695E4660}"/>
+                <a16:creationId xmlns:a16="http://schemas.microsoft.com/office/drawing/2014/main" id="{FF33F1F9-0A90-1AE3-C16E-587F4051C04B}"/>
               </a:ext>
             </a:extLst>
           </p:cNvPr>
@@ -1933,7 +1933,7 @@
           <p:cNvPr id="3" name="日期占位符 2">
             <a:extLst>
               <a:ext uri="{FF2B5EF4-FFF2-40B4-BE49-F238E27FC236}">
-                <a16:creationId xmlns:a16="http://schemas.microsoft.com/office/drawing/2014/main" id="{1313CD10-ADEE-CA85-E924-550E3FFAE767}"/>
+                <a16:creationId xmlns:a16="http://schemas.microsoft.com/office/drawing/2014/main" id="{E2E68D27-8EDF-C80B-7D96-F97B9108213D}"/>
               </a:ext>
             </a:extLst>
           </p:cNvPr>
@@ -1949,7 +1949,7 @@
           <a:bodyPr/>
           <a:lstStyle/>
           <a:p>
-            <a:fld id="{9EB643F7-6F54-4ECB-BD81-F5D285EB6CD5}" type="datetimeFigureOut">
+            <a:fld id="{5B5A9F79-0796-4738-A47A-3FC338FE4584}" type="datetimeFigureOut">
               <a:rPr lang="zh-CN" altLang="en-US" smtClean="0"/>
               <a:t>2024/3/10</a:t>
             </a:fld>
@@ -1962,7 +1962,7 @@
           <p:cNvPr id="4" name="页脚占位符 3">
             <a:extLst>
               <a:ext uri="{FF2B5EF4-FFF2-40B4-BE49-F238E27FC236}">
-                <a16:creationId xmlns:a16="http://schemas.microsoft.com/office/drawing/2014/main" id="{D9661B76-C16E-ED9C-F9AE-C0F3B2B8A320}"/>
+                <a16:creationId xmlns:a16="http://schemas.microsoft.com/office/drawing/2014/main" id="{D522073F-A842-84B5-B12B-7F86C67A0703}"/>
               </a:ext>
             </a:extLst>
           </p:cNvPr>
@@ -1987,7 +1987,7 @@
           <p:cNvPr id="5" name="灯片编号占位符 4">
             <a:extLst>
               <a:ext uri="{FF2B5EF4-FFF2-40B4-BE49-F238E27FC236}">
-                <a16:creationId xmlns:a16="http://schemas.microsoft.com/office/drawing/2014/main" id="{5CB6BC7C-A28D-9607-63EE-3B18E87E9A62}"/>
+                <a16:creationId xmlns:a16="http://schemas.microsoft.com/office/drawing/2014/main" id="{DB4A072A-ADB4-9E44-3879-3F10751A0E4D}"/>
               </a:ext>
             </a:extLst>
           </p:cNvPr>
@@ -2003,7 +2003,7 @@
           <a:bodyPr/>
           <a:lstStyle/>
           <a:p>
-            <a:fld id="{5C72253C-7D52-4A3A-B4E9-732EE7B21789}" type="slidenum">
+            <a:fld id="{05F00985-EA98-4DAF-A98E-A279AFA2F3EB}" type="slidenum">
               <a:rPr lang="zh-CN" altLang="en-US" smtClean="0"/>
               <a:t>‹#›</a:t>
             </a:fld>
@@ -2014,7 +2014,7 @@
     </p:spTree>
     <p:extLst>
       <p:ext uri="{BB962C8B-B14F-4D97-AF65-F5344CB8AC3E}">
-        <p14:creationId xmlns:p14="http://schemas.microsoft.com/office/powerpoint/2010/main" val="2298088729"/>
+        <p14:creationId xmlns:p14="http://schemas.microsoft.com/office/powerpoint/2010/main" val="2841614249"/>
       </p:ext>
     </p:extLst>
   </p:cSld>
@@ -2046,7 +2046,7 @@
           <p:cNvPr id="2" name="日期占位符 1">
             <a:extLst>
               <a:ext uri="{FF2B5EF4-FFF2-40B4-BE49-F238E27FC236}">
-                <a16:creationId xmlns:a16="http://schemas.microsoft.com/office/drawing/2014/main" id="{EA45EB38-4026-22CE-592D-AE6E2815273A}"/>
+                <a16:creationId xmlns:a16="http://schemas.microsoft.com/office/drawing/2014/main" id="{3721078C-3C9C-75E7-188F-8E9835E84A85}"/>
               </a:ext>
             </a:extLst>
           </p:cNvPr>
@@ -2062,7 +2062,7 @@
           <a:bodyPr/>
           <a:lstStyle/>
           <a:p>
-            <a:fld id="{9EB643F7-6F54-4ECB-BD81-F5D285EB6CD5}" type="datetimeFigureOut">
+            <a:fld id="{5B5A9F79-0796-4738-A47A-3FC338FE4584}" type="datetimeFigureOut">
               <a:rPr lang="zh-CN" altLang="en-US" smtClean="0"/>
               <a:t>2024/3/10</a:t>
             </a:fld>
@@ -2075,7 +2075,7 @@
           <p:cNvPr id="3" name="页脚占位符 2">
             <a:extLst>
               <a:ext uri="{FF2B5EF4-FFF2-40B4-BE49-F238E27FC236}">
-                <a16:creationId xmlns:a16="http://schemas.microsoft.com/office/drawing/2014/main" id="{17DFD1E5-6FFF-826C-ED26-8A27C541B460}"/>
+                <a16:creationId xmlns:a16="http://schemas.microsoft.com/office/drawing/2014/main" id="{EA50004A-B526-FCF4-1D90-D0A92CE9E4A6}"/>
               </a:ext>
             </a:extLst>
           </p:cNvPr>
@@ -2100,7 +2100,7 @@
           <p:cNvPr id="4" name="灯片编号占位符 3">
             <a:extLst>
               <a:ext uri="{FF2B5EF4-FFF2-40B4-BE49-F238E27FC236}">
-                <a16:creationId xmlns:a16="http://schemas.microsoft.com/office/drawing/2014/main" id="{BAE80BD3-9A17-1B0A-1446-1222020864CE}"/>
+                <a16:creationId xmlns:a16="http://schemas.microsoft.com/office/drawing/2014/main" id="{7F52858A-8001-93BA-71D2-790DFE991422}"/>
               </a:ext>
             </a:extLst>
           </p:cNvPr>
@@ -2116,7 +2116,7 @@
           <a:bodyPr/>
           <a:lstStyle/>
           <a:p>
-            <a:fld id="{5C72253C-7D52-4A3A-B4E9-732EE7B21789}" type="slidenum">
+            <a:fld id="{05F00985-EA98-4DAF-A98E-A279AFA2F3EB}" type="slidenum">
               <a:rPr lang="zh-CN" altLang="en-US" smtClean="0"/>
               <a:t>‹#›</a:t>
             </a:fld>
@@ -2127,7 +2127,7 @@
     </p:spTree>
     <p:extLst>
       <p:ext uri="{BB962C8B-B14F-4D97-AF65-F5344CB8AC3E}">
-        <p14:creationId xmlns:p14="http://schemas.microsoft.com/office/powerpoint/2010/main" val="389993986"/>
+        <p14:creationId xmlns:p14="http://schemas.microsoft.com/office/powerpoint/2010/main" val="3194815438"/>
       </p:ext>
     </p:extLst>
   </p:cSld>
@@ -2159,7 +2159,7 @@
           <p:cNvPr id="2" name="标题 1">
             <a:extLst>
               <a:ext uri="{FF2B5EF4-FFF2-40B4-BE49-F238E27FC236}">
-                <a16:creationId xmlns:a16="http://schemas.microsoft.com/office/drawing/2014/main" id="{F587A77B-3B20-544C-606C-BFC780BF95C1}"/>
+                <a16:creationId xmlns:a16="http://schemas.microsoft.com/office/drawing/2014/main" id="{B3B5E2AD-900C-E33E-0844-42650C221904}"/>
               </a:ext>
             </a:extLst>
           </p:cNvPr>
@@ -2196,7 +2196,7 @@
           <p:cNvPr id="3" name="内容占位符 2">
             <a:extLst>
               <a:ext uri="{FF2B5EF4-FFF2-40B4-BE49-F238E27FC236}">
-                <a16:creationId xmlns:a16="http://schemas.microsoft.com/office/drawing/2014/main" id="{3BE1A3AD-66C7-A72F-A52B-A71B96454F09}"/>
+                <a16:creationId xmlns:a16="http://schemas.microsoft.com/office/drawing/2014/main" id="{FD05C30C-D408-51EE-9DAF-F71FEB4662CD}"/>
               </a:ext>
             </a:extLst>
           </p:cNvPr>
@@ -2286,7 +2286,7 @@
           <p:cNvPr id="4" name="文本占位符 3">
             <a:extLst>
               <a:ext uri="{FF2B5EF4-FFF2-40B4-BE49-F238E27FC236}">
-                <a16:creationId xmlns:a16="http://schemas.microsoft.com/office/drawing/2014/main" id="{576B844A-E1EB-36CB-2016-2E40313641B3}"/>
+                <a16:creationId xmlns:a16="http://schemas.microsoft.com/office/drawing/2014/main" id="{4CBF9FEE-68DE-9E5C-934D-4DEE57F3114E}"/>
               </a:ext>
             </a:extLst>
           </p:cNvPr>
@@ -2357,7 +2357,7 @@
           <p:cNvPr id="5" name="日期占位符 4">
             <a:extLst>
               <a:ext uri="{FF2B5EF4-FFF2-40B4-BE49-F238E27FC236}">
-                <a16:creationId xmlns:a16="http://schemas.microsoft.com/office/drawing/2014/main" id="{AB9A2EA5-96B5-55CE-6D01-81F3294324D3}"/>
+                <a16:creationId xmlns:a16="http://schemas.microsoft.com/office/drawing/2014/main" id="{3B7C2537-8C97-5021-5F91-A77232C8957E}"/>
               </a:ext>
             </a:extLst>
           </p:cNvPr>
@@ -2373,7 +2373,7 @@
           <a:bodyPr/>
           <a:lstStyle/>
           <a:p>
-            <a:fld id="{9EB643F7-6F54-4ECB-BD81-F5D285EB6CD5}" type="datetimeFigureOut">
+            <a:fld id="{5B5A9F79-0796-4738-A47A-3FC338FE4584}" type="datetimeFigureOut">
               <a:rPr lang="zh-CN" altLang="en-US" smtClean="0"/>
               <a:t>2024/3/10</a:t>
             </a:fld>
@@ -2386,7 +2386,7 @@
           <p:cNvPr id="6" name="页脚占位符 5">
             <a:extLst>
               <a:ext uri="{FF2B5EF4-FFF2-40B4-BE49-F238E27FC236}">
-                <a16:creationId xmlns:a16="http://schemas.microsoft.com/office/drawing/2014/main" id="{A3F557FF-BB87-F815-A7A2-314AE13FA48D}"/>
+                <a16:creationId xmlns:a16="http://schemas.microsoft.com/office/drawing/2014/main" id="{9DB274BA-216D-1BAD-6EDB-16B687BB7FC8}"/>
               </a:ext>
             </a:extLst>
           </p:cNvPr>
@@ -2411,7 +2411,7 @@
           <p:cNvPr id="7" name="灯片编号占位符 6">
             <a:extLst>
               <a:ext uri="{FF2B5EF4-FFF2-40B4-BE49-F238E27FC236}">
-                <a16:creationId xmlns:a16="http://schemas.microsoft.com/office/drawing/2014/main" id="{9E324EFB-F72A-689A-A8B9-EF2F3CEE6EE0}"/>
+                <a16:creationId xmlns:a16="http://schemas.microsoft.com/office/drawing/2014/main" id="{6B6CD532-F89B-5824-567D-1BF61046097E}"/>
               </a:ext>
             </a:extLst>
           </p:cNvPr>
@@ -2427,7 +2427,7 @@
           <a:bodyPr/>
           <a:lstStyle/>
           <a:p>
-            <a:fld id="{5C72253C-7D52-4A3A-B4E9-732EE7B21789}" type="slidenum">
+            <a:fld id="{05F00985-EA98-4DAF-A98E-A279AFA2F3EB}" type="slidenum">
               <a:rPr lang="zh-CN" altLang="en-US" smtClean="0"/>
               <a:t>‹#›</a:t>
             </a:fld>
@@ -2438,7 +2438,7 @@
     </p:spTree>
     <p:extLst>
       <p:ext uri="{BB962C8B-B14F-4D97-AF65-F5344CB8AC3E}">
-        <p14:creationId xmlns:p14="http://schemas.microsoft.com/office/powerpoint/2010/main" val="314614379"/>
+        <p14:creationId xmlns:p14="http://schemas.microsoft.com/office/powerpoint/2010/main" val="2230595406"/>
       </p:ext>
     </p:extLst>
   </p:cSld>
@@ -2470,7 +2470,7 @@
           <p:cNvPr id="2" name="标题 1">
             <a:extLst>
               <a:ext uri="{FF2B5EF4-FFF2-40B4-BE49-F238E27FC236}">
-                <a16:creationId xmlns:a16="http://schemas.microsoft.com/office/drawing/2014/main" id="{4D4C0EA4-6F27-F757-CEAA-EFBC22A02697}"/>
+                <a16:creationId xmlns:a16="http://schemas.microsoft.com/office/drawing/2014/main" id="{4292964B-9B41-68A1-D90F-996891A80182}"/>
               </a:ext>
             </a:extLst>
           </p:cNvPr>
@@ -2507,7 +2507,7 @@
           <p:cNvPr id="3" name="图片占位符 2">
             <a:extLst>
               <a:ext uri="{FF2B5EF4-FFF2-40B4-BE49-F238E27FC236}">
-                <a16:creationId xmlns:a16="http://schemas.microsoft.com/office/drawing/2014/main" id="{D881911B-C922-66C6-06BE-0F0DF00DF0E4}"/>
+                <a16:creationId xmlns:a16="http://schemas.microsoft.com/office/drawing/2014/main" id="{4A7E5694-7AE1-BFFA-C320-287D07C7AD30}"/>
               </a:ext>
             </a:extLst>
           </p:cNvPr>
@@ -2574,7 +2574,7 @@
           <p:cNvPr id="4" name="文本占位符 3">
             <a:extLst>
               <a:ext uri="{FF2B5EF4-FFF2-40B4-BE49-F238E27FC236}">
-                <a16:creationId xmlns:a16="http://schemas.microsoft.com/office/drawing/2014/main" id="{A9DD0BED-1C00-7E37-4013-403FE0CB5F3E}"/>
+                <a16:creationId xmlns:a16="http://schemas.microsoft.com/office/drawing/2014/main" id="{2BE43A78-10A5-F64F-2DD9-54E1557FD955}"/>
               </a:ext>
             </a:extLst>
           </p:cNvPr>
@@ -2645,7 +2645,7 @@
           <p:cNvPr id="5" name="日期占位符 4">
             <a:extLst>
               <a:ext uri="{FF2B5EF4-FFF2-40B4-BE49-F238E27FC236}">
-                <a16:creationId xmlns:a16="http://schemas.microsoft.com/office/drawing/2014/main" id="{E0E9B94D-50D2-6B11-78B4-784DB2EC3CB0}"/>
+                <a16:creationId xmlns:a16="http://schemas.microsoft.com/office/drawing/2014/main" id="{19A59D2E-C2BF-C546-569B-38A7ADD84C0E}"/>
               </a:ext>
             </a:extLst>
           </p:cNvPr>
@@ -2661,7 +2661,7 @@
           <a:bodyPr/>
           <a:lstStyle/>
           <a:p>
-            <a:fld id="{9EB643F7-6F54-4ECB-BD81-F5D285EB6CD5}" type="datetimeFigureOut">
+            <a:fld id="{5B5A9F79-0796-4738-A47A-3FC338FE4584}" type="datetimeFigureOut">
               <a:rPr lang="zh-CN" altLang="en-US" smtClean="0"/>
               <a:t>2024/3/10</a:t>
             </a:fld>
@@ -2674,7 +2674,7 @@
           <p:cNvPr id="6" name="页脚占位符 5">
             <a:extLst>
               <a:ext uri="{FF2B5EF4-FFF2-40B4-BE49-F238E27FC236}">
-                <a16:creationId xmlns:a16="http://schemas.microsoft.com/office/drawing/2014/main" id="{4FD889F7-4D6B-A62A-2C75-C784EDE8CD55}"/>
+                <a16:creationId xmlns:a16="http://schemas.microsoft.com/office/drawing/2014/main" id="{2881E83F-82E9-92A9-619A-705A86064A3C}"/>
               </a:ext>
             </a:extLst>
           </p:cNvPr>
@@ -2699,7 +2699,7 @@
           <p:cNvPr id="7" name="灯片编号占位符 6">
             <a:extLst>
               <a:ext uri="{FF2B5EF4-FFF2-40B4-BE49-F238E27FC236}">
-                <a16:creationId xmlns:a16="http://schemas.microsoft.com/office/drawing/2014/main" id="{2BAD105F-8E20-F394-2C82-90B48CD2AF08}"/>
+                <a16:creationId xmlns:a16="http://schemas.microsoft.com/office/drawing/2014/main" id="{399FFCEF-7E0E-3D54-2416-0EB8F056862C}"/>
               </a:ext>
             </a:extLst>
           </p:cNvPr>
@@ -2715,7 +2715,7 @@
           <a:bodyPr/>
           <a:lstStyle/>
           <a:p>
-            <a:fld id="{5C72253C-7D52-4A3A-B4E9-732EE7B21789}" type="slidenum">
+            <a:fld id="{05F00985-EA98-4DAF-A98E-A279AFA2F3EB}" type="slidenum">
               <a:rPr lang="zh-CN" altLang="en-US" smtClean="0"/>
               <a:t>‹#›</a:t>
             </a:fld>
@@ -2726,7 +2726,7 @@
     </p:spTree>
     <p:extLst>
       <p:ext uri="{BB962C8B-B14F-4D97-AF65-F5344CB8AC3E}">
-        <p14:creationId xmlns:p14="http://schemas.microsoft.com/office/powerpoint/2010/main" val="1953549699"/>
+        <p14:creationId xmlns:p14="http://schemas.microsoft.com/office/powerpoint/2010/main" val="3009069517"/>
       </p:ext>
     </p:extLst>
   </p:cSld>
@@ -2763,7 +2763,7 @@
           <p:cNvPr id="2" name="标题占位符 1">
             <a:extLst>
               <a:ext uri="{FF2B5EF4-FFF2-40B4-BE49-F238E27FC236}">
-                <a16:creationId xmlns:a16="http://schemas.microsoft.com/office/drawing/2014/main" id="{1CCBD638-0D80-1805-2B55-7608570EC5FB}"/>
+                <a16:creationId xmlns:a16="http://schemas.microsoft.com/office/drawing/2014/main" id="{2FB6FFC8-7D42-6B03-26BC-EB135811BB0D}"/>
               </a:ext>
             </a:extLst>
           </p:cNvPr>
@@ -2801,7 +2801,7 @@
           <p:cNvPr id="3" name="文本占位符 2">
             <a:extLst>
               <a:ext uri="{FF2B5EF4-FFF2-40B4-BE49-F238E27FC236}">
-                <a16:creationId xmlns:a16="http://schemas.microsoft.com/office/drawing/2014/main" id="{2B1DEF67-F356-0159-5806-D910454F6175}"/>
+                <a16:creationId xmlns:a16="http://schemas.microsoft.com/office/drawing/2014/main" id="{75DB72AF-8695-1808-A6C8-3649A28BCA67}"/>
               </a:ext>
             </a:extLst>
           </p:cNvPr>
@@ -2868,7 +2868,7 @@
           <p:cNvPr id="4" name="日期占位符 3">
             <a:extLst>
               <a:ext uri="{FF2B5EF4-FFF2-40B4-BE49-F238E27FC236}">
-                <a16:creationId xmlns:a16="http://schemas.microsoft.com/office/drawing/2014/main" id="{5C095868-13BF-3E04-E9B5-9A5474FB889B}"/>
+                <a16:creationId xmlns:a16="http://schemas.microsoft.com/office/drawing/2014/main" id="{44E6363C-DE26-039C-9A63-AC4C50B6DAB3}"/>
               </a:ext>
             </a:extLst>
           </p:cNvPr>
@@ -2902,7 +2902,7 @@
             </a:lvl1pPr>
           </a:lstStyle>
           <a:p>
-            <a:fld id="{9EB643F7-6F54-4ECB-BD81-F5D285EB6CD5}" type="datetimeFigureOut">
+            <a:fld id="{5B5A9F79-0796-4738-A47A-3FC338FE4584}" type="datetimeFigureOut">
               <a:rPr lang="zh-CN" altLang="en-US" smtClean="0"/>
               <a:t>2024/3/10</a:t>
             </a:fld>
@@ -2915,7 +2915,7 @@
           <p:cNvPr id="5" name="页脚占位符 4">
             <a:extLst>
               <a:ext uri="{FF2B5EF4-FFF2-40B4-BE49-F238E27FC236}">
-                <a16:creationId xmlns:a16="http://schemas.microsoft.com/office/drawing/2014/main" id="{0078CCE6-7B95-800F-2510-42F4486602DC}"/>
+                <a16:creationId xmlns:a16="http://schemas.microsoft.com/office/drawing/2014/main" id="{850EAC48-8722-C33C-BB60-BA898A52B06B}"/>
               </a:ext>
             </a:extLst>
           </p:cNvPr>
@@ -2958,7 +2958,7 @@
           <p:cNvPr id="6" name="灯片编号占位符 5">
             <a:extLst>
               <a:ext uri="{FF2B5EF4-FFF2-40B4-BE49-F238E27FC236}">
-                <a16:creationId xmlns:a16="http://schemas.microsoft.com/office/drawing/2014/main" id="{1694C4A7-34F8-CC6F-DCA6-5CB8FDF0E392}"/>
+                <a16:creationId xmlns:a16="http://schemas.microsoft.com/office/drawing/2014/main" id="{451D81DC-7CA6-BAA4-AE88-A12D3B6ED24B}"/>
               </a:ext>
             </a:extLst>
           </p:cNvPr>
@@ -2992,7 +2992,7 @@
             </a:lvl1pPr>
           </a:lstStyle>
           <a:p>
-            <a:fld id="{5C72253C-7D52-4A3A-B4E9-732EE7B21789}" type="slidenum">
+            <a:fld id="{05F00985-EA98-4DAF-A98E-A279AFA2F3EB}" type="slidenum">
               <a:rPr lang="zh-CN" altLang="en-US" smtClean="0"/>
               <a:t>‹#›</a:t>
             </a:fld>
@@ -3003,7 +3003,7 @@
     </p:spTree>
     <p:extLst>
       <p:ext uri="{BB962C8B-B14F-4D97-AF65-F5344CB8AC3E}">
-        <p14:creationId xmlns:p14="http://schemas.microsoft.com/office/powerpoint/2010/main" val="796838893"/>
+        <p14:creationId xmlns:p14="http://schemas.microsoft.com/office/powerpoint/2010/main" val="2594708147"/>
       </p:ext>
     </p:extLst>
   </p:cSld>
